--- a/tutorials/SlicerRT_Tutorial_Isodose.pptx
+++ b/tutorials/SlicerRT_Tutorial_Isodose.pptx
@@ -282,7 +282,7 @@
           <a:p>
             <a:fld id="{631D9270-7B54-4D7C-8DD4-CF63D88EDDCF}" type="datetimeFigureOut">
               <a:rPr lang="en-US" smtClean="0"/>
-              <a:t>2019-07-23</a:t>
+              <a:t>2019-07-24</a:t>
             </a:fld>
             <a:endParaRPr lang="en-US"/>
           </a:p>
@@ -472,7 +472,7 @@
               <a:pPr>
                 <a:defRPr/>
               </a:pPr>
-              <a:t>2019-07-23</a:t>
+              <a:t>2019-07-24</a:t>
             </a:fld>
             <a:endParaRPr lang="en-US"/>
           </a:p>
@@ -2794,15 +2794,7 @@
           <a:p>
             <a:r>
               <a:rPr lang="en-US" dirty="0" smtClean="0"/>
-              <a:t>3/1. Switch to </a:t>
-            </a:r>
-            <a:r>
-              <a:rPr lang="en-US" dirty="0" smtClean="0"/>
-              <a:t>isodose </a:t>
-            </a:r>
-            <a:r>
-              <a:rPr lang="en-US" dirty="0" smtClean="0"/>
-              <a:t>module</a:t>
+              <a:t>3/1. Switch to isodose module</a:t>
             </a:r>
             <a:endParaRPr lang="en-US" dirty="0"/>
           </a:p>
@@ -3325,11 +3317,6 @@
               </a:rPr>
               <a:t>(if your dose volume does not come from DICOM you can convert it to dose also in the context menu) </a:t>
             </a:r>
-            <a:endParaRPr lang="en-US" sz="2400" dirty="0" smtClean="0">
-              <a:solidFill>
-                <a:schemeClr val="bg1"/>
-              </a:solidFill>
-            </a:endParaRPr>
           </a:p>
           <a:p>
             <a:pPr>
@@ -3787,11 +3774,6 @@
               </a:rPr>
               <a:t>4. Click ‘Generate isodose’</a:t>
             </a:r>
-            <a:endParaRPr lang="en-US" sz="2400" dirty="0">
-              <a:solidFill>
-                <a:schemeClr val="bg1"/>
-              </a:solidFill>
-            </a:endParaRPr>
           </a:p>
         </p:txBody>
       </p:sp>
@@ -5212,42 +5194,39 @@
           <a:chExt cx="0" cy="0"/>
         </a:xfrm>
       </p:grpSpPr>
-      <p:sp>
-        <p:nvSpPr>
-          <p:cNvPr id="2" name="Content Placeholder 1"/>
-          <p:cNvSpPr>
-            <a:spLocks noGrp="1"/>
-          </p:cNvSpPr>
-          <p:nvPr>
-            <p:ph idx="1"/>
-          </p:nvPr>
-        </p:nvSpPr>
+      <p:pic>
+        <p:nvPicPr>
+          <p:cNvPr id="9" name="Picture 8"/>
+          <p:cNvPicPr>
+            <a:picLocks noChangeAspect="1"/>
+          </p:cNvPicPr>
+          <p:nvPr/>
+        </p:nvPicPr>
+        <p:blipFill rotWithShape="1">
+          <a:blip r:embed="rId2"/>
+          <a:srcRect l="32689" t="10646" b="5180"/>
+          <a:stretch/>
+        </p:blipFill>
         <p:spPr>
           <a:xfrm>
-            <a:off x="4800600" y="1219200"/>
-            <a:ext cx="3886200" cy="4906963"/>
-          </a:xfrm>
-        </p:spPr>
-        <p:txBody>
-          <a:bodyPr/>
-          <a:lstStyle/>
-          <a:p>
-            <a:r>
-              <a:rPr lang="en-US" dirty="0" smtClean="0">
-                <a:solidFill>
-                  <a:srgbClr val="FF0000"/>
-                </a:solidFill>
-              </a:rPr>
-              <a:t>TODO: Final screenshot</a:t>
-            </a:r>
-            <a:endParaRPr lang="en-US" dirty="0">
-              <a:solidFill>
-                <a:srgbClr val="FF0000"/>
-              </a:solidFill>
-            </a:endParaRPr>
-          </a:p>
-        </p:txBody>
-      </p:sp>
+            <a:off x="3962400" y="1598718"/>
+            <a:ext cx="4732105" cy="3855057"/>
+          </a:xfrm>
+          <a:prstGeom prst="rect">
+            <a:avLst/>
+          </a:prstGeom>
+          <a:ln>
+            <a:noFill/>
+          </a:ln>
+          <a:effectLst>
+            <a:outerShdw blurRad="292100" dist="139700" dir="2700000" algn="tl" rotWithShape="0">
+              <a:srgbClr val="333333">
+                <a:alpha val="65000"/>
+              </a:srgbClr>
+            </a:outerShdw>
+          </a:effectLst>
+        </p:spPr>
+      </p:pic>
       <p:sp>
         <p:nvSpPr>
           <p:cNvPr id="3" name="Title 2"/>
@@ -5732,34 +5711,7 @@
                 </a:solidFill>
                 <a:latin typeface="+mn-lt"/>
               </a:rPr>
-              <a:t>to </a:t>
-            </a:r>
-            <a:r>
-              <a:rPr lang="en-US" altLang="en-US" sz="3200" dirty="0" smtClean="0">
-                <a:solidFill>
-                  <a:srgbClr val="000000"/>
-                </a:solidFill>
-                <a:latin typeface="+mn-lt"/>
-              </a:rPr>
-              <a:t>calculate isodose surfaces </a:t>
-            </a:r>
-            <a:r>
-              <a:rPr lang="en-US" altLang="en-US" sz="3200" dirty="0" smtClean="0">
-                <a:solidFill>
-                  <a:srgbClr val="000000"/>
-                </a:solidFill>
-                <a:latin typeface="+mn-lt"/>
-              </a:rPr>
-              <a:t>from </a:t>
-            </a:r>
-            <a:r>
-              <a:rPr lang="en-US" altLang="en-US" sz="3200" dirty="0" smtClean="0">
-                <a:solidFill>
-                  <a:srgbClr val="000000"/>
-                </a:solidFill>
-                <a:latin typeface="+mn-lt"/>
-              </a:rPr>
-              <a:t>dose distributions.</a:t>
+              <a:t>to calculate isodose surfaces from dose distributions.</a:t>
             </a:r>
             <a:endParaRPr lang="en-US" altLang="en-US" sz="3200" dirty="0">
               <a:solidFill>
@@ -5780,8 +5732,8 @@
         </p:nvSpPr>
         <p:spPr bwMode="auto">
           <a:xfrm>
-            <a:off x="4193691" y="5582966"/>
-            <a:ext cx="4328857" cy="314876"/>
+            <a:off x="5212556" y="5323924"/>
+            <a:ext cx="2443527" cy="314876"/>
           </a:xfrm>
           <a:prstGeom prst="rect">
             <a:avLst/>
@@ -5973,9 +5925,8 @@
             </a:pPr>
             <a:r>
               <a:rPr lang="en-CA" sz="1600" dirty="0" smtClean="0"/>
-              <a:t>???</a:t>
-            </a:r>
-            <a:endParaRPr lang="en-CA" sz="1600" dirty="0" smtClean="0"/>
+              <a:t>Isodose lines and surfaces</a:t>
+            </a:r>
           </a:p>
         </p:txBody>
       </p:sp>
@@ -7150,7 +7101,13 @@
       </p:grpSpPr>
       <p:pic>
         <p:nvPicPr>
-          <p:cNvPr id="10" name="Picture 9"/>
+          <p:cNvPr id="13" name="Picture 12">
+            <a:extLst>
+              <a:ext uri="{FF2B5EF4-FFF2-40B4-BE49-F238E27FC236}">
+                <a16:creationId xmlns:a16="http://schemas.microsoft.com/office/drawing/2014/main" id="{943E0EEE-91B2-459F-9C41-AB4D345B320C}"/>
+              </a:ext>
+            </a:extLst>
+          </p:cNvPr>
           <p:cNvPicPr>
             <a:picLocks noChangeAspect="1"/>
           </p:cNvPicPr>
@@ -7164,8 +7121,8 @@
         </p:blipFill>
         <p:spPr>
           <a:xfrm>
-            <a:off x="3688773" y="1828511"/>
-            <a:ext cx="5074227" cy="3645477"/>
+            <a:off x="2974512" y="1517868"/>
+            <a:ext cx="5786513" cy="4062350"/>
           </a:xfrm>
           <a:prstGeom prst="rect">
             <a:avLst/>
@@ -8281,15 +8238,7 @@
                   <a:schemeClr val="bg1"/>
                 </a:solidFill>
               </a:rPr>
-              <a:t>Data </a:t>
-            </a:r>
-            <a:r>
-              <a:rPr lang="en-US" sz="2400" dirty="0" smtClean="0">
-                <a:solidFill>
-                  <a:schemeClr val="bg1"/>
-                </a:solidFill>
-              </a:rPr>
-              <a:t>loaded</a:t>
+              <a:t>Data loaded</a:t>
             </a:r>
           </a:p>
           <a:p>
